--- a/images/image annotations.pptx
+++ b/images/image annotations.pptx
@@ -6,6 +6,9 @@
   </p:sldMasterIdLst>
   <p:sldIdLst>
     <p:sldId id="256" r:id="rId2"/>
+    <p:sldId id="257" r:id="rId3"/>
+    <p:sldId id="258" r:id="rId4"/>
+    <p:sldId id="259" r:id="rId5"/>
   </p:sldIdLst>
   <p:sldSz cx="12192000" cy="6858000"/>
   <p:notesSz cx="6858000" cy="9144000"/>
@@ -104,6 +107,11 @@
       </a:defRPr>
     </a:lvl9pPr>
   </p:defaultTextStyle>
+  <p:extLst>
+    <p:ext uri="{EFAFB233-063F-42B5-8137-9DF3F51BA10A}">
+      <p15:sldGuideLst xmlns:p15="http://schemas.microsoft.com/office/powerpoint/2012/main"/>
+    </p:ext>
+  </p:extLst>
 </p:presentation>
 </file>
 
@@ -149,10 +157,9 @@
           </a:lstStyle>
           <a:p>
             <a:r>
-              <a:rPr lang="en-US" smtClean="0"/>
+              <a:rPr lang="en-US"/>
               <a:t>Click to edit Master title style</a:t>
             </a:r>
-            <a:endParaRPr lang="en-US"/>
           </a:p>
         </p:txBody>
       </p:sp>
@@ -214,10 +221,9 @@
           </a:lstStyle>
           <a:p>
             <a:r>
-              <a:rPr lang="en-US" smtClean="0"/>
+              <a:rPr lang="en-US"/>
               <a:t>Click to edit Master subtitle style</a:t>
             </a:r>
-            <a:endParaRPr lang="en-US"/>
           </a:p>
         </p:txBody>
       </p:sp>
@@ -238,7 +244,7 @@
           <a:p>
             <a:fld id="{EBE3C9E8-1434-4A17-9E4F-58DC838D9AF0}" type="datetimeFigureOut">
               <a:rPr lang="en-US" smtClean="0"/>
-              <a:t>8/26/2021</a:t>
+              <a:t>1/11/2023</a:t>
             </a:fld>
             <a:endParaRPr lang="en-US"/>
           </a:p>
@@ -332,10 +338,9 @@
           <a:lstStyle/>
           <a:p>
             <a:r>
-              <a:rPr lang="en-US" smtClean="0"/>
+              <a:rPr lang="en-US"/>
               <a:t>Click to edit Master title style</a:t>
             </a:r>
-            <a:endParaRPr lang="en-US"/>
           </a:p>
         </p:txBody>
       </p:sp>
@@ -356,38 +361,37 @@
           <a:p>
             <a:pPr lvl="0"/>
             <a:r>
-              <a:rPr lang="en-US" smtClean="0"/>
+              <a:rPr lang="en-US"/>
               <a:t>Edit Master text styles</a:t>
             </a:r>
           </a:p>
           <a:p>
             <a:pPr lvl="1"/>
             <a:r>
-              <a:rPr lang="en-US" smtClean="0"/>
+              <a:rPr lang="en-US"/>
               <a:t>Second level</a:t>
             </a:r>
           </a:p>
           <a:p>
             <a:pPr lvl="2"/>
             <a:r>
-              <a:rPr lang="en-US" smtClean="0"/>
+              <a:rPr lang="en-US"/>
               <a:t>Third level</a:t>
             </a:r>
           </a:p>
           <a:p>
             <a:pPr lvl="3"/>
             <a:r>
-              <a:rPr lang="en-US" smtClean="0"/>
+              <a:rPr lang="en-US"/>
               <a:t>Fourth level</a:t>
             </a:r>
           </a:p>
           <a:p>
             <a:pPr lvl="4"/>
             <a:r>
-              <a:rPr lang="en-US" smtClean="0"/>
+              <a:rPr lang="en-US"/>
               <a:t>Fifth level</a:t>
             </a:r>
-            <a:endParaRPr lang="en-US"/>
           </a:p>
         </p:txBody>
       </p:sp>
@@ -408,7 +412,7 @@
           <a:p>
             <a:fld id="{EBE3C9E8-1434-4A17-9E4F-58DC838D9AF0}" type="datetimeFigureOut">
               <a:rPr lang="en-US" smtClean="0"/>
-              <a:t>8/26/2021</a:t>
+              <a:t>1/11/2023</a:t>
             </a:fld>
             <a:endParaRPr lang="en-US"/>
           </a:p>
@@ -507,10 +511,9 @@
           <a:lstStyle/>
           <a:p>
             <a:r>
-              <a:rPr lang="en-US" smtClean="0"/>
+              <a:rPr lang="en-US"/>
               <a:t>Click to edit Master title style</a:t>
             </a:r>
-            <a:endParaRPr lang="en-US"/>
           </a:p>
         </p:txBody>
       </p:sp>
@@ -536,38 +539,37 @@
           <a:p>
             <a:pPr lvl="0"/>
             <a:r>
-              <a:rPr lang="en-US" smtClean="0"/>
+              <a:rPr lang="en-US"/>
               <a:t>Edit Master text styles</a:t>
             </a:r>
           </a:p>
           <a:p>
             <a:pPr lvl="1"/>
             <a:r>
-              <a:rPr lang="en-US" smtClean="0"/>
+              <a:rPr lang="en-US"/>
               <a:t>Second level</a:t>
             </a:r>
           </a:p>
           <a:p>
             <a:pPr lvl="2"/>
             <a:r>
-              <a:rPr lang="en-US" smtClean="0"/>
+              <a:rPr lang="en-US"/>
               <a:t>Third level</a:t>
             </a:r>
           </a:p>
           <a:p>
             <a:pPr lvl="3"/>
             <a:r>
-              <a:rPr lang="en-US" smtClean="0"/>
+              <a:rPr lang="en-US"/>
               <a:t>Fourth level</a:t>
             </a:r>
           </a:p>
           <a:p>
             <a:pPr lvl="4"/>
             <a:r>
-              <a:rPr lang="en-US" smtClean="0"/>
+              <a:rPr lang="en-US"/>
               <a:t>Fifth level</a:t>
             </a:r>
-            <a:endParaRPr lang="en-US"/>
           </a:p>
         </p:txBody>
       </p:sp>
@@ -588,7 +590,7 @@
           <a:p>
             <a:fld id="{EBE3C9E8-1434-4A17-9E4F-58DC838D9AF0}" type="datetimeFigureOut">
               <a:rPr lang="en-US" smtClean="0"/>
-              <a:t>8/26/2021</a:t>
+              <a:t>1/11/2023</a:t>
             </a:fld>
             <a:endParaRPr lang="en-US"/>
           </a:p>
@@ -682,10 +684,9 @@
           <a:lstStyle/>
           <a:p>
             <a:r>
-              <a:rPr lang="en-US" smtClean="0"/>
+              <a:rPr lang="en-US"/>
               <a:t>Click to edit Master title style</a:t>
             </a:r>
-            <a:endParaRPr lang="en-US"/>
           </a:p>
         </p:txBody>
       </p:sp>
@@ -706,38 +707,37 @@
           <a:p>
             <a:pPr lvl="0"/>
             <a:r>
-              <a:rPr lang="en-US" smtClean="0"/>
+              <a:rPr lang="en-US"/>
               <a:t>Edit Master text styles</a:t>
             </a:r>
           </a:p>
           <a:p>
             <a:pPr lvl="1"/>
             <a:r>
-              <a:rPr lang="en-US" smtClean="0"/>
+              <a:rPr lang="en-US"/>
               <a:t>Second level</a:t>
             </a:r>
           </a:p>
           <a:p>
             <a:pPr lvl="2"/>
             <a:r>
-              <a:rPr lang="en-US" smtClean="0"/>
+              <a:rPr lang="en-US"/>
               <a:t>Third level</a:t>
             </a:r>
           </a:p>
           <a:p>
             <a:pPr lvl="3"/>
             <a:r>
-              <a:rPr lang="en-US" smtClean="0"/>
+              <a:rPr lang="en-US"/>
               <a:t>Fourth level</a:t>
             </a:r>
           </a:p>
           <a:p>
             <a:pPr lvl="4"/>
             <a:r>
-              <a:rPr lang="en-US" smtClean="0"/>
+              <a:rPr lang="en-US"/>
               <a:t>Fifth level</a:t>
             </a:r>
-            <a:endParaRPr lang="en-US"/>
           </a:p>
         </p:txBody>
       </p:sp>
@@ -758,7 +758,7 @@
           <a:p>
             <a:fld id="{EBE3C9E8-1434-4A17-9E4F-58DC838D9AF0}" type="datetimeFigureOut">
               <a:rPr lang="en-US" smtClean="0"/>
-              <a:t>8/26/2021</a:t>
+              <a:t>1/11/2023</a:t>
             </a:fld>
             <a:endParaRPr lang="en-US"/>
           </a:p>
@@ -861,10 +861,9 @@
           </a:lstStyle>
           <a:p>
             <a:r>
-              <a:rPr lang="en-US" smtClean="0"/>
+              <a:rPr lang="en-US"/>
               <a:t>Click to edit Master title style</a:t>
             </a:r>
-            <a:endParaRPr lang="en-US"/>
           </a:p>
         </p:txBody>
       </p:sp>
@@ -981,7 +980,7 @@
           <a:p>
             <a:pPr lvl="0"/>
             <a:r>
-              <a:rPr lang="en-US" smtClean="0"/>
+              <a:rPr lang="en-US"/>
               <a:t>Edit Master text styles</a:t>
             </a:r>
           </a:p>
@@ -1004,7 +1003,7 @@
           <a:p>
             <a:fld id="{EBE3C9E8-1434-4A17-9E4F-58DC838D9AF0}" type="datetimeFigureOut">
               <a:rPr lang="en-US" smtClean="0"/>
-              <a:t>8/26/2021</a:t>
+              <a:t>1/11/2023</a:t>
             </a:fld>
             <a:endParaRPr lang="en-US"/>
           </a:p>
@@ -1098,10 +1097,9 @@
           <a:lstStyle/>
           <a:p>
             <a:r>
-              <a:rPr lang="en-US" smtClean="0"/>
+              <a:rPr lang="en-US"/>
               <a:t>Click to edit Master title style</a:t>
             </a:r>
-            <a:endParaRPr lang="en-US"/>
           </a:p>
         </p:txBody>
       </p:sp>
@@ -1127,38 +1125,37 @@
           <a:p>
             <a:pPr lvl="0"/>
             <a:r>
-              <a:rPr lang="en-US" smtClean="0"/>
+              <a:rPr lang="en-US"/>
               <a:t>Edit Master text styles</a:t>
             </a:r>
           </a:p>
           <a:p>
             <a:pPr lvl="1"/>
             <a:r>
-              <a:rPr lang="en-US" smtClean="0"/>
+              <a:rPr lang="en-US"/>
               <a:t>Second level</a:t>
             </a:r>
           </a:p>
           <a:p>
             <a:pPr lvl="2"/>
             <a:r>
-              <a:rPr lang="en-US" smtClean="0"/>
+              <a:rPr lang="en-US"/>
               <a:t>Third level</a:t>
             </a:r>
           </a:p>
           <a:p>
             <a:pPr lvl="3"/>
             <a:r>
-              <a:rPr lang="en-US" smtClean="0"/>
+              <a:rPr lang="en-US"/>
               <a:t>Fourth level</a:t>
             </a:r>
           </a:p>
           <a:p>
             <a:pPr lvl="4"/>
             <a:r>
-              <a:rPr lang="en-US" smtClean="0"/>
+              <a:rPr lang="en-US"/>
               <a:t>Fifth level</a:t>
             </a:r>
-            <a:endParaRPr lang="en-US"/>
           </a:p>
         </p:txBody>
       </p:sp>
@@ -1184,38 +1181,37 @@
           <a:p>
             <a:pPr lvl="0"/>
             <a:r>
-              <a:rPr lang="en-US" smtClean="0"/>
+              <a:rPr lang="en-US"/>
               <a:t>Edit Master text styles</a:t>
             </a:r>
           </a:p>
           <a:p>
             <a:pPr lvl="1"/>
             <a:r>
-              <a:rPr lang="en-US" smtClean="0"/>
+              <a:rPr lang="en-US"/>
               <a:t>Second level</a:t>
             </a:r>
           </a:p>
           <a:p>
             <a:pPr lvl="2"/>
             <a:r>
-              <a:rPr lang="en-US" smtClean="0"/>
+              <a:rPr lang="en-US"/>
               <a:t>Third level</a:t>
             </a:r>
           </a:p>
           <a:p>
             <a:pPr lvl="3"/>
             <a:r>
-              <a:rPr lang="en-US" smtClean="0"/>
+              <a:rPr lang="en-US"/>
               <a:t>Fourth level</a:t>
             </a:r>
           </a:p>
           <a:p>
             <a:pPr lvl="4"/>
             <a:r>
-              <a:rPr lang="en-US" smtClean="0"/>
+              <a:rPr lang="en-US"/>
               <a:t>Fifth level</a:t>
             </a:r>
-            <a:endParaRPr lang="en-US"/>
           </a:p>
         </p:txBody>
       </p:sp>
@@ -1236,7 +1232,7 @@
           <a:p>
             <a:fld id="{EBE3C9E8-1434-4A17-9E4F-58DC838D9AF0}" type="datetimeFigureOut">
               <a:rPr lang="en-US" smtClean="0"/>
-              <a:t>8/26/2021</a:t>
+              <a:t>1/11/2023</a:t>
             </a:fld>
             <a:endParaRPr lang="en-US"/>
           </a:p>
@@ -1335,10 +1331,9 @@
           <a:lstStyle/>
           <a:p>
             <a:r>
-              <a:rPr lang="en-US" smtClean="0"/>
+              <a:rPr lang="en-US"/>
               <a:t>Click to edit Master title style</a:t>
             </a:r>
-            <a:endParaRPr lang="en-US"/>
           </a:p>
         </p:txBody>
       </p:sp>
@@ -1401,7 +1396,7 @@
           <a:p>
             <a:pPr lvl="0"/>
             <a:r>
-              <a:rPr lang="en-US" smtClean="0"/>
+              <a:rPr lang="en-US"/>
               <a:t>Edit Master text styles</a:t>
             </a:r>
           </a:p>
@@ -1429,38 +1424,37 @@
           <a:p>
             <a:pPr lvl="0"/>
             <a:r>
-              <a:rPr lang="en-US" smtClean="0"/>
+              <a:rPr lang="en-US"/>
               <a:t>Edit Master text styles</a:t>
             </a:r>
           </a:p>
           <a:p>
             <a:pPr lvl="1"/>
             <a:r>
-              <a:rPr lang="en-US" smtClean="0"/>
+              <a:rPr lang="en-US"/>
               <a:t>Second level</a:t>
             </a:r>
           </a:p>
           <a:p>
             <a:pPr lvl="2"/>
             <a:r>
-              <a:rPr lang="en-US" smtClean="0"/>
+              <a:rPr lang="en-US"/>
               <a:t>Third level</a:t>
             </a:r>
           </a:p>
           <a:p>
             <a:pPr lvl="3"/>
             <a:r>
-              <a:rPr lang="en-US" smtClean="0"/>
+              <a:rPr lang="en-US"/>
               <a:t>Fourth level</a:t>
             </a:r>
           </a:p>
           <a:p>
             <a:pPr lvl="4"/>
             <a:r>
-              <a:rPr lang="en-US" smtClean="0"/>
+              <a:rPr lang="en-US"/>
               <a:t>Fifth level</a:t>
             </a:r>
-            <a:endParaRPr lang="en-US"/>
           </a:p>
         </p:txBody>
       </p:sp>
@@ -1523,7 +1517,7 @@
           <a:p>
             <a:pPr lvl="0"/>
             <a:r>
-              <a:rPr lang="en-US" smtClean="0"/>
+              <a:rPr lang="en-US"/>
               <a:t>Edit Master text styles</a:t>
             </a:r>
           </a:p>
@@ -1551,38 +1545,37 @@
           <a:p>
             <a:pPr lvl="0"/>
             <a:r>
-              <a:rPr lang="en-US" smtClean="0"/>
+              <a:rPr lang="en-US"/>
               <a:t>Edit Master text styles</a:t>
             </a:r>
           </a:p>
           <a:p>
             <a:pPr lvl="1"/>
             <a:r>
-              <a:rPr lang="en-US" smtClean="0"/>
+              <a:rPr lang="en-US"/>
               <a:t>Second level</a:t>
             </a:r>
           </a:p>
           <a:p>
             <a:pPr lvl="2"/>
             <a:r>
-              <a:rPr lang="en-US" smtClean="0"/>
+              <a:rPr lang="en-US"/>
               <a:t>Third level</a:t>
             </a:r>
           </a:p>
           <a:p>
             <a:pPr lvl="3"/>
             <a:r>
-              <a:rPr lang="en-US" smtClean="0"/>
+              <a:rPr lang="en-US"/>
               <a:t>Fourth level</a:t>
             </a:r>
           </a:p>
           <a:p>
             <a:pPr lvl="4"/>
             <a:r>
-              <a:rPr lang="en-US" smtClean="0"/>
+              <a:rPr lang="en-US"/>
               <a:t>Fifth level</a:t>
             </a:r>
-            <a:endParaRPr lang="en-US"/>
           </a:p>
         </p:txBody>
       </p:sp>
@@ -1603,7 +1596,7 @@
           <a:p>
             <a:fld id="{EBE3C9E8-1434-4A17-9E4F-58DC838D9AF0}" type="datetimeFigureOut">
               <a:rPr lang="en-US" smtClean="0"/>
-              <a:t>8/26/2021</a:t>
+              <a:t>1/11/2023</a:t>
             </a:fld>
             <a:endParaRPr lang="en-US"/>
           </a:p>
@@ -1697,10 +1690,9 @@
           <a:lstStyle/>
           <a:p>
             <a:r>
-              <a:rPr lang="en-US" smtClean="0"/>
+              <a:rPr lang="en-US"/>
               <a:t>Click to edit Master title style</a:t>
             </a:r>
-            <a:endParaRPr lang="en-US"/>
           </a:p>
         </p:txBody>
       </p:sp>
@@ -1721,7 +1713,7 @@
           <a:p>
             <a:fld id="{EBE3C9E8-1434-4A17-9E4F-58DC838D9AF0}" type="datetimeFigureOut">
               <a:rPr lang="en-US" smtClean="0"/>
-              <a:t>8/26/2021</a:t>
+              <a:t>1/11/2023</a:t>
             </a:fld>
             <a:endParaRPr lang="en-US"/>
           </a:p>
@@ -1816,7 +1808,7 @@
           <a:p>
             <a:fld id="{EBE3C9E8-1434-4A17-9E4F-58DC838D9AF0}" type="datetimeFigureOut">
               <a:rPr lang="en-US" smtClean="0"/>
-              <a:t>8/26/2021</a:t>
+              <a:t>1/11/2023</a:t>
             </a:fld>
             <a:endParaRPr lang="en-US"/>
           </a:p>
@@ -1919,10 +1911,9 @@
           </a:lstStyle>
           <a:p>
             <a:r>
-              <a:rPr lang="en-US" smtClean="0"/>
+              <a:rPr lang="en-US"/>
               <a:t>Click to edit Master title style</a:t>
             </a:r>
-            <a:endParaRPr lang="en-US"/>
           </a:p>
         </p:txBody>
       </p:sp>
@@ -1976,38 +1967,37 @@
           <a:p>
             <a:pPr lvl="0"/>
             <a:r>
-              <a:rPr lang="en-US" smtClean="0"/>
+              <a:rPr lang="en-US"/>
               <a:t>Edit Master text styles</a:t>
             </a:r>
           </a:p>
           <a:p>
             <a:pPr lvl="1"/>
             <a:r>
-              <a:rPr lang="en-US" smtClean="0"/>
+              <a:rPr lang="en-US"/>
               <a:t>Second level</a:t>
             </a:r>
           </a:p>
           <a:p>
             <a:pPr lvl="2"/>
             <a:r>
-              <a:rPr lang="en-US" smtClean="0"/>
+              <a:rPr lang="en-US"/>
               <a:t>Third level</a:t>
             </a:r>
           </a:p>
           <a:p>
             <a:pPr lvl="3"/>
             <a:r>
-              <a:rPr lang="en-US" smtClean="0"/>
+              <a:rPr lang="en-US"/>
               <a:t>Fourth level</a:t>
             </a:r>
           </a:p>
           <a:p>
             <a:pPr lvl="4"/>
             <a:r>
-              <a:rPr lang="en-US" smtClean="0"/>
+              <a:rPr lang="en-US"/>
               <a:t>Fifth level</a:t>
             </a:r>
-            <a:endParaRPr lang="en-US"/>
           </a:p>
         </p:txBody>
       </p:sp>
@@ -2070,7 +2060,7 @@
           <a:p>
             <a:pPr lvl="0"/>
             <a:r>
-              <a:rPr lang="en-US" smtClean="0"/>
+              <a:rPr lang="en-US"/>
               <a:t>Edit Master text styles</a:t>
             </a:r>
           </a:p>
@@ -2093,7 +2083,7 @@
           <a:p>
             <a:fld id="{EBE3C9E8-1434-4A17-9E4F-58DC838D9AF0}" type="datetimeFigureOut">
               <a:rPr lang="en-US" smtClean="0"/>
-              <a:t>8/26/2021</a:t>
+              <a:t>1/11/2023</a:t>
             </a:fld>
             <a:endParaRPr lang="en-US"/>
           </a:p>
@@ -2196,10 +2186,9 @@
           </a:lstStyle>
           <a:p>
             <a:r>
-              <a:rPr lang="en-US" smtClean="0"/>
+              <a:rPr lang="en-US"/>
               <a:t>Click to edit Master title style</a:t>
             </a:r>
-            <a:endParaRPr lang="en-US"/>
           </a:p>
         </p:txBody>
       </p:sp>
@@ -2323,7 +2312,7 @@
           <a:p>
             <a:pPr lvl="0"/>
             <a:r>
-              <a:rPr lang="en-US" smtClean="0"/>
+              <a:rPr lang="en-US"/>
               <a:t>Edit Master text styles</a:t>
             </a:r>
           </a:p>
@@ -2346,7 +2335,7 @@
           <a:p>
             <a:fld id="{EBE3C9E8-1434-4A17-9E4F-58DC838D9AF0}" type="datetimeFigureOut">
               <a:rPr lang="en-US" smtClean="0"/>
-              <a:t>8/26/2021</a:t>
+              <a:t>1/11/2023</a:t>
             </a:fld>
             <a:endParaRPr lang="en-US"/>
           </a:p>
@@ -2455,10 +2444,9 @@
           <a:lstStyle/>
           <a:p>
             <a:r>
-              <a:rPr lang="en-US" smtClean="0"/>
+              <a:rPr lang="en-US"/>
               <a:t>Click to edit Master title style</a:t>
             </a:r>
-            <a:endParaRPr lang="en-US"/>
           </a:p>
         </p:txBody>
       </p:sp>
@@ -2489,38 +2477,37 @@
           <a:p>
             <a:pPr lvl="0"/>
             <a:r>
-              <a:rPr lang="en-US" smtClean="0"/>
+              <a:rPr lang="en-US"/>
               <a:t>Edit Master text styles</a:t>
             </a:r>
           </a:p>
           <a:p>
             <a:pPr lvl="1"/>
             <a:r>
-              <a:rPr lang="en-US" smtClean="0"/>
+              <a:rPr lang="en-US"/>
               <a:t>Second level</a:t>
             </a:r>
           </a:p>
           <a:p>
             <a:pPr lvl="2"/>
             <a:r>
-              <a:rPr lang="en-US" smtClean="0"/>
+              <a:rPr lang="en-US"/>
               <a:t>Third level</a:t>
             </a:r>
           </a:p>
           <a:p>
             <a:pPr lvl="3"/>
             <a:r>
-              <a:rPr lang="en-US" smtClean="0"/>
+              <a:rPr lang="en-US"/>
               <a:t>Fourth level</a:t>
             </a:r>
           </a:p>
           <a:p>
             <a:pPr lvl="4"/>
             <a:r>
-              <a:rPr lang="en-US" smtClean="0"/>
+              <a:rPr lang="en-US"/>
               <a:t>Fifth level</a:t>
             </a:r>
-            <a:endParaRPr lang="en-US"/>
           </a:p>
         </p:txBody>
       </p:sp>
@@ -2559,7 +2546,7 @@
           <a:p>
             <a:fld id="{EBE3C9E8-1434-4A17-9E4F-58DC838D9AF0}" type="datetimeFigureOut">
               <a:rPr lang="en-US" smtClean="0"/>
-              <a:t>8/26/2021</a:t>
+              <a:t>1/11/2023</a:t>
             </a:fld>
             <a:endParaRPr lang="en-US"/>
           </a:p>
@@ -2966,7 +2953,260 @@
       </p:grpSpPr>
       <p:pic>
         <p:nvPicPr>
-          <p:cNvPr id="4" name="Picture 3"/>
+          <p:cNvPr id="3" name="Picture 2">
+            <a:extLst>
+              <a:ext uri="{FF2B5EF4-FFF2-40B4-BE49-F238E27FC236}">
+                <a16:creationId xmlns:a16="http://schemas.microsoft.com/office/drawing/2014/main" id="{52171AEF-35C4-FC05-4CFF-AA4B932FA11A}"/>
+              </a:ext>
+            </a:extLst>
+          </p:cNvPr>
+          <p:cNvPicPr>
+            <a:picLocks noChangeAspect="1"/>
+          </p:cNvPicPr>
+          <p:nvPr/>
+        </p:nvPicPr>
+        <p:blipFill>
+          <a:blip r:embed="rId2"/>
+          <a:stretch>
+            <a:fillRect/>
+          </a:stretch>
+        </p:blipFill>
+        <p:spPr>
+          <a:xfrm>
+            <a:off x="1380952" y="1199153"/>
+            <a:ext cx="9258300" cy="3800475"/>
+          </a:xfrm>
+          <a:prstGeom prst="rect">
+            <a:avLst/>
+          </a:prstGeom>
+          <a:solidFill>
+            <a:srgbClr val="FFFFFF">
+              <a:shade val="85000"/>
+            </a:srgbClr>
+          </a:solidFill>
+          <a:ln w="88900" cap="sq">
+            <a:solidFill>
+              <a:srgbClr val="FFFFFF"/>
+            </a:solidFill>
+            <a:miter lim="800000"/>
+          </a:ln>
+          <a:effectLst>
+            <a:outerShdw blurRad="55000" dist="18000" dir="5400000" algn="tl" rotWithShape="0">
+              <a:srgbClr val="000000">
+                <a:alpha val="40000"/>
+              </a:srgbClr>
+            </a:outerShdw>
+          </a:effectLst>
+          <a:scene3d>
+            <a:camera prst="orthographicFront"/>
+            <a:lightRig rig="twoPt" dir="t">
+              <a:rot lat="0" lon="0" rev="7200000"/>
+            </a:lightRig>
+          </a:scene3d>
+          <a:sp3d>
+            <a:bevelT w="25400" h="19050"/>
+            <a:contourClr>
+              <a:srgbClr val="FFFFFF"/>
+            </a:contourClr>
+          </a:sp3d>
+        </p:spPr>
+      </p:pic>
+      <p:sp>
+        <p:nvSpPr>
+          <p:cNvPr id="5" name="Rounded Rectangle 4"/>
+          <p:cNvSpPr/>
+          <p:nvPr/>
+        </p:nvSpPr>
+        <p:spPr>
+          <a:xfrm>
+            <a:off x="6999316" y="2686603"/>
+            <a:ext cx="914400" cy="256102"/>
+          </a:xfrm>
+          <a:prstGeom prst="roundRect">
+            <a:avLst/>
+          </a:prstGeom>
+          <a:noFill/>
+          <a:ln w="38100">
+            <a:solidFill>
+              <a:srgbClr val="FF0000"/>
+            </a:solidFill>
+          </a:ln>
+        </p:spPr>
+        <p:style>
+          <a:lnRef idx="2">
+            <a:schemeClr val="accent1">
+              <a:shade val="50000"/>
+            </a:schemeClr>
+          </a:lnRef>
+          <a:fillRef idx="1">
+            <a:schemeClr val="accent1"/>
+          </a:fillRef>
+          <a:effectRef idx="0">
+            <a:schemeClr val="accent1"/>
+          </a:effectRef>
+          <a:fontRef idx="minor">
+            <a:schemeClr val="lt1"/>
+          </a:fontRef>
+        </p:style>
+        <p:txBody>
+          <a:bodyPr rtlCol="0" anchor="ctr"/>
+          <a:lstStyle/>
+          <a:p>
+            <a:pPr algn="ctr"/>
+            <a:endParaRPr lang="en-US"/>
+          </a:p>
+        </p:txBody>
+      </p:sp>
+      <p:sp>
+        <p:nvSpPr>
+          <p:cNvPr id="6" name="Rectangle 5"/>
+          <p:cNvSpPr/>
+          <p:nvPr/>
+        </p:nvSpPr>
+        <p:spPr>
+          <a:xfrm>
+            <a:off x="6010102" y="2011680"/>
+            <a:ext cx="3266901" cy="523702"/>
+          </a:xfrm>
+          <a:prstGeom prst="rect">
+            <a:avLst/>
+          </a:prstGeom>
+          <a:solidFill>
+            <a:srgbClr val="FF0000">
+              <a:alpha val="18039"/>
+            </a:srgbClr>
+          </a:solidFill>
+          <a:ln>
+            <a:noFill/>
+          </a:ln>
+        </p:spPr>
+        <p:style>
+          <a:lnRef idx="2">
+            <a:schemeClr val="accent1">
+              <a:shade val="50000"/>
+            </a:schemeClr>
+          </a:lnRef>
+          <a:fillRef idx="1">
+            <a:schemeClr val="accent1"/>
+          </a:fillRef>
+          <a:effectRef idx="0">
+            <a:schemeClr val="accent1"/>
+          </a:effectRef>
+          <a:fontRef idx="minor">
+            <a:schemeClr val="lt1"/>
+          </a:fontRef>
+        </p:style>
+        <p:txBody>
+          <a:bodyPr rtlCol="0" anchor="ctr"/>
+          <a:lstStyle/>
+          <a:p>
+            <a:pPr algn="ctr"/>
+            <a:r>
+              <a:rPr lang="en-US" sz="2400" b="1" dirty="0">
+                <a:solidFill>
+                  <a:srgbClr val="FF0000"/>
+                </a:solidFill>
+              </a:rPr>
+              <a:t>1. Click “download R”</a:t>
+            </a:r>
+          </a:p>
+        </p:txBody>
+      </p:sp>
+      <p:sp>
+        <p:nvSpPr>
+          <p:cNvPr id="7" name="Rectangle 6"/>
+          <p:cNvSpPr/>
+          <p:nvPr/>
+        </p:nvSpPr>
+        <p:spPr>
+          <a:xfrm>
+            <a:off x="4723707" y="3884815"/>
+            <a:ext cx="5465617" cy="254923"/>
+          </a:xfrm>
+          <a:prstGeom prst="rect">
+            <a:avLst/>
+          </a:prstGeom>
+          <a:solidFill>
+            <a:schemeClr val="accent4">
+              <a:lumMod val="20000"/>
+              <a:lumOff val="80000"/>
+            </a:schemeClr>
+          </a:solidFill>
+          <a:ln>
+            <a:noFill/>
+          </a:ln>
+        </p:spPr>
+        <p:style>
+          <a:lnRef idx="2">
+            <a:schemeClr val="accent1">
+              <a:shade val="50000"/>
+            </a:schemeClr>
+          </a:lnRef>
+          <a:fillRef idx="1">
+            <a:schemeClr val="accent1"/>
+          </a:fillRef>
+          <a:effectRef idx="0">
+            <a:schemeClr val="accent1"/>
+          </a:effectRef>
+          <a:fontRef idx="minor">
+            <a:schemeClr val="lt1"/>
+          </a:fontRef>
+        </p:style>
+        <p:txBody>
+          <a:bodyPr rtlCol="0" anchor="ctr"/>
+          <a:lstStyle/>
+          <a:p>
+            <a:pPr algn="ctr"/>
+            <a:r>
+              <a:rPr lang="en-US" sz="2000" i="1" dirty="0">
+                <a:solidFill>
+                  <a:srgbClr val="FF0000"/>
+                </a:solidFill>
+              </a:rPr>
+              <a:t>Note: new versions are released a few times a year</a:t>
+            </a:r>
+          </a:p>
+        </p:txBody>
+      </p:sp>
+    </p:spTree>
+    <p:extLst>
+      <p:ext uri="{BB962C8B-B14F-4D97-AF65-F5344CB8AC3E}">
+        <p14:creationId xmlns:p14="http://schemas.microsoft.com/office/powerpoint/2010/main" val="1057972510"/>
+      </p:ext>
+    </p:extLst>
+  </p:cSld>
+  <p:clrMapOvr>
+    <a:masterClrMapping/>
+  </p:clrMapOvr>
+</p:sld>
+</file>
+
+<file path=ppt/slides/slide2.xml><?xml version="1.0" encoding="utf-8"?>
+<p:sld xmlns:a="http://schemas.openxmlformats.org/drawingml/2006/main" xmlns:r="http://schemas.openxmlformats.org/officeDocument/2006/relationships" xmlns:p="http://schemas.openxmlformats.org/presentationml/2006/main">
+  <p:cSld>
+    <p:spTree>
+      <p:nvGrpSpPr>
+        <p:cNvPr id="1" name=""/>
+        <p:cNvGrpSpPr/>
+        <p:nvPr/>
+      </p:nvGrpSpPr>
+      <p:grpSpPr>
+        <a:xfrm>
+          <a:off x="0" y="0"/>
+          <a:ext cx="0" cy="0"/>
+          <a:chOff x="0" y="0"/>
+          <a:chExt cx="0" cy="0"/>
+        </a:xfrm>
+      </p:grpSpPr>
+      <p:pic>
+        <p:nvPicPr>
+          <p:cNvPr id="5" name="Picture 4" descr="Graphical user interface, text&#10;&#10;Description automatically generated">
+            <a:extLst>
+              <a:ext uri="{FF2B5EF4-FFF2-40B4-BE49-F238E27FC236}">
+                <a16:creationId xmlns:a16="http://schemas.microsoft.com/office/drawing/2014/main" id="{46D35D29-6BEB-8C25-9ACB-47267EEF0024}"/>
+              </a:ext>
+            </a:extLst>
+          </p:cNvPr>
           <p:cNvPicPr>
             <a:picLocks noChangeAspect="1"/>
           </p:cNvPicPr>
@@ -2986,8 +3226,8 @@
         </p:blipFill>
         <p:spPr>
           <a:xfrm>
-            <a:off x="1429789" y="1295182"/>
-            <a:ext cx="9052560" cy="3514362"/>
+            <a:off x="1599466" y="2238374"/>
+            <a:ext cx="6194792" cy="3882009"/>
           </a:xfrm>
           <a:prstGeom prst="rect">
             <a:avLst/>
@@ -2999,25 +3239,47 @@
           </a:solidFill>
           <a:ln w="88900" cap="sq">
             <a:solidFill>
-              <a:schemeClr val="bg1">
-                <a:lumMod val="75000"/>
-              </a:schemeClr>
+              <a:srgbClr val="FFFFFF"/>
             </a:solidFill>
             <a:miter lim="800000"/>
           </a:ln>
-          <a:effectLst/>
+          <a:effectLst>
+            <a:outerShdw blurRad="55000" dist="18000" dir="5400000" algn="tl" rotWithShape="0">
+              <a:srgbClr val="000000">
+                <a:alpha val="40000"/>
+              </a:srgbClr>
+            </a:outerShdw>
+          </a:effectLst>
+          <a:scene3d>
+            <a:camera prst="orthographicFront"/>
+            <a:lightRig rig="twoPt" dir="t">
+              <a:rot lat="0" lon="0" rev="7200000"/>
+            </a:lightRig>
+          </a:scene3d>
+          <a:sp3d>
+            <a:bevelT w="25400" h="19050"/>
+            <a:contourClr>
+              <a:srgbClr val="FFFFFF"/>
+            </a:contourClr>
+          </a:sp3d>
         </p:spPr>
       </p:pic>
       <p:sp>
         <p:nvSpPr>
-          <p:cNvPr id="5" name="Rounded Rectangle 4"/>
+          <p:cNvPr id="6" name="Rounded Rectangle 4">
+            <a:extLst>
+              <a:ext uri="{FF2B5EF4-FFF2-40B4-BE49-F238E27FC236}">
+                <a16:creationId xmlns:a16="http://schemas.microsoft.com/office/drawing/2014/main" id="{0E464881-2BC6-E85F-778D-774910A32A8C}"/>
+              </a:ext>
+            </a:extLst>
+          </p:cNvPr>
           <p:cNvSpPr/>
           <p:nvPr/>
         </p:nvSpPr>
         <p:spPr>
           <a:xfrm>
-            <a:off x="6999316" y="2686603"/>
-            <a:ext cx="914400" cy="256102"/>
+            <a:off x="1614851" y="4091524"/>
+            <a:ext cx="851336" cy="194726"/>
           </a:xfrm>
           <a:prstGeom prst="roundRect">
             <a:avLst/>
@@ -3056,25 +3318,29 @@
       </p:sp>
       <p:sp>
         <p:nvSpPr>
-          <p:cNvPr id="6" name="Rectangle 5"/>
+          <p:cNvPr id="8" name="Rounded Rectangle 4">
+            <a:extLst>
+              <a:ext uri="{FF2B5EF4-FFF2-40B4-BE49-F238E27FC236}">
+                <a16:creationId xmlns:a16="http://schemas.microsoft.com/office/drawing/2014/main" id="{92EB3035-C2FD-10C6-D9F8-8D4461C00689}"/>
+              </a:ext>
+            </a:extLst>
+          </p:cNvPr>
           <p:cNvSpPr/>
           <p:nvPr/>
         </p:nvSpPr>
         <p:spPr>
           <a:xfrm>
-            <a:off x="6010102" y="2011680"/>
-            <a:ext cx="3266901" cy="523702"/>
-          </a:xfrm>
-          <a:prstGeom prst="rect">
+            <a:off x="4619652" y="2238374"/>
+            <a:ext cx="942947" cy="178079"/>
+          </a:xfrm>
+          <a:prstGeom prst="roundRect">
             <a:avLst/>
           </a:prstGeom>
-          <a:solidFill>
-            <a:srgbClr val="FF0000">
-              <a:alpha val="18039"/>
-            </a:srgbClr>
-          </a:solidFill>
-          <a:ln>
-            <a:noFill/>
+          <a:noFill/>
+          <a:ln w="38100">
+            <a:solidFill>
+              <a:srgbClr val="FF0000"/>
+            </a:solidFill>
           </a:ln>
         </p:spPr>
         <p:style>
@@ -3098,32 +3364,116 @@
           <a:lstStyle/>
           <a:p>
             <a:pPr algn="ctr"/>
-            <a:r>
-              <a:rPr lang="en-US" sz="2400" b="1" dirty="0" smtClean="0">
-                <a:solidFill>
-                  <a:srgbClr val="FF0000"/>
-                </a:solidFill>
-              </a:rPr>
-              <a:t>1. Click “download R”</a:t>
-            </a:r>
-            <a:endParaRPr lang="en-US" sz="2400" b="1" dirty="0">
-              <a:solidFill>
-                <a:srgbClr val="FF0000"/>
-              </a:solidFill>
-            </a:endParaRPr>
-          </a:p>
-        </p:txBody>
-      </p:sp>
-      <p:sp>
-        <p:nvSpPr>
-          <p:cNvPr id="7" name="Rectangle 6"/>
+            <a:endParaRPr lang="en-US"/>
+          </a:p>
+        </p:txBody>
+      </p:sp>
+      <p:cxnSp>
+        <p:nvCxnSpPr>
+          <p:cNvPr id="12" name="Straight Arrow Connector 11">
+            <a:extLst>
+              <a:ext uri="{FF2B5EF4-FFF2-40B4-BE49-F238E27FC236}">
+                <a16:creationId xmlns:a16="http://schemas.microsoft.com/office/drawing/2014/main" id="{EAEE77D8-E0CE-E1B3-290A-31ACFB08587A}"/>
+              </a:ext>
+            </a:extLst>
+          </p:cNvPr>
+          <p:cNvCxnSpPr>
+            <a:cxnSpLocks/>
+            <a:stCxn id="8" idx="2"/>
+          </p:cNvCxnSpPr>
+          <p:nvPr/>
+        </p:nvCxnSpPr>
+        <p:spPr>
+          <a:xfrm flipH="1">
+            <a:off x="2524215" y="2416453"/>
+            <a:ext cx="2566911" cy="1736864"/>
+          </a:xfrm>
+          <a:prstGeom prst="straightConnector1">
+            <a:avLst/>
+          </a:prstGeom>
+          <a:ln w="57150">
+            <a:solidFill>
+              <a:srgbClr val="FF0000"/>
+            </a:solidFill>
+            <a:tailEnd type="triangle"/>
+          </a:ln>
+        </p:spPr>
+        <p:style>
+          <a:lnRef idx="1">
+            <a:schemeClr val="accent1"/>
+          </a:lnRef>
+          <a:fillRef idx="0">
+            <a:schemeClr val="accent1"/>
+          </a:fillRef>
+          <a:effectRef idx="0">
+            <a:schemeClr val="accent1"/>
+          </a:effectRef>
+          <a:fontRef idx="minor">
+            <a:schemeClr val="tx1"/>
+          </a:fontRef>
+        </p:style>
+      </p:cxnSp>
+      <p:cxnSp>
+        <p:nvCxnSpPr>
+          <p:cNvPr id="13" name="Straight Arrow Connector 12">
+            <a:extLst>
+              <a:ext uri="{FF2B5EF4-FFF2-40B4-BE49-F238E27FC236}">
+                <a16:creationId xmlns:a16="http://schemas.microsoft.com/office/drawing/2014/main" id="{37761EF3-0F71-488C-5DEB-92D70D74C2EC}"/>
+              </a:ext>
+            </a:extLst>
+          </p:cNvPr>
+          <p:cNvCxnSpPr>
+            <a:cxnSpLocks/>
+            <a:stCxn id="8" idx="2"/>
+          </p:cNvCxnSpPr>
+          <p:nvPr/>
+        </p:nvCxnSpPr>
+        <p:spPr>
+          <a:xfrm flipH="1">
+            <a:off x="2523720" y="2416453"/>
+            <a:ext cx="2567406" cy="3089379"/>
+          </a:xfrm>
+          <a:prstGeom prst="straightConnector1">
+            <a:avLst/>
+          </a:prstGeom>
+          <a:ln w="57150">
+            <a:solidFill>
+              <a:srgbClr val="FF0000"/>
+            </a:solidFill>
+            <a:tailEnd type="triangle"/>
+          </a:ln>
+        </p:spPr>
+        <p:style>
+          <a:lnRef idx="1">
+            <a:schemeClr val="accent1"/>
+          </a:lnRef>
+          <a:fillRef idx="0">
+            <a:schemeClr val="accent1"/>
+          </a:fillRef>
+          <a:effectRef idx="0">
+            <a:schemeClr val="accent1"/>
+          </a:effectRef>
+          <a:fontRef idx="minor">
+            <a:schemeClr val="tx1"/>
+          </a:fontRef>
+        </p:style>
+      </p:cxnSp>
+      <p:sp>
+        <p:nvSpPr>
+          <p:cNvPr id="16" name="Rectangle 15">
+            <a:extLst>
+              <a:ext uri="{FF2B5EF4-FFF2-40B4-BE49-F238E27FC236}">
+                <a16:creationId xmlns:a16="http://schemas.microsoft.com/office/drawing/2014/main" id="{DE45B416-C809-60F7-18B9-406D387E7E3A}"/>
+              </a:ext>
+            </a:extLst>
+          </p:cNvPr>
           <p:cNvSpPr/>
           <p:nvPr/>
         </p:nvSpPr>
         <p:spPr>
           <a:xfrm>
-            <a:off x="4723707" y="3884815"/>
-            <a:ext cx="5465617" cy="254923"/>
+            <a:off x="5801892" y="3419019"/>
+            <a:ext cx="1665393" cy="506464"/>
           </a:xfrm>
           <a:prstGeom prst="rect">
             <a:avLst/>
@@ -3160,25 +3510,1100 @@
           <a:p>
             <a:pPr algn="ctr"/>
             <a:r>
-              <a:rPr lang="en-US" sz="2000" i="1" dirty="0" smtClean="0">
+              <a:rPr lang="en-US" sz="1400" i="1" dirty="0">
                 <a:solidFill>
                   <a:srgbClr val="FF0000"/>
                 </a:solidFill>
               </a:rPr>
-              <a:t>Note: new versions are released a few times a year</a:t>
-            </a:r>
-            <a:endParaRPr lang="en-US" sz="2000" i="1" dirty="0">
-              <a:solidFill>
-                <a:srgbClr val="FF0000"/>
-              </a:solidFill>
-            </a:endParaRPr>
-          </a:p>
-        </p:txBody>
-      </p:sp>
+              <a:t>Depends on your operating system</a:t>
+            </a:r>
+          </a:p>
+        </p:txBody>
+      </p:sp>
+      <p:sp>
+        <p:nvSpPr>
+          <p:cNvPr id="17" name="Rectangle 16">
+            <a:extLst>
+              <a:ext uri="{FF2B5EF4-FFF2-40B4-BE49-F238E27FC236}">
+                <a16:creationId xmlns:a16="http://schemas.microsoft.com/office/drawing/2014/main" id="{C22DC9A4-724C-3E5A-8902-F34D1A4C559C}"/>
+              </a:ext>
+            </a:extLst>
+          </p:cNvPr>
+          <p:cNvSpPr/>
+          <p:nvPr/>
+        </p:nvSpPr>
+        <p:spPr>
+          <a:xfrm>
+            <a:off x="3994387" y="5443728"/>
+            <a:ext cx="2958863" cy="242697"/>
+          </a:xfrm>
+          <a:prstGeom prst="rect">
+            <a:avLst/>
+          </a:prstGeom>
+          <a:noFill/>
+          <a:ln w="57150">
+            <a:solidFill>
+              <a:srgbClr val="FFC000"/>
+            </a:solidFill>
+          </a:ln>
+        </p:spPr>
+        <p:style>
+          <a:lnRef idx="2">
+            <a:schemeClr val="accent1">
+              <a:shade val="50000"/>
+            </a:schemeClr>
+          </a:lnRef>
+          <a:fillRef idx="1">
+            <a:schemeClr val="accent1"/>
+          </a:fillRef>
+          <a:effectRef idx="0">
+            <a:schemeClr val="accent1"/>
+          </a:effectRef>
+          <a:fontRef idx="minor">
+            <a:schemeClr val="lt1"/>
+          </a:fontRef>
+        </p:style>
+        <p:txBody>
+          <a:bodyPr rtlCol="0" anchor="ctr"/>
+          <a:lstStyle/>
+          <a:p>
+            <a:pPr algn="ctr"/>
+            <a:endParaRPr lang="en-US"/>
+          </a:p>
+        </p:txBody>
+      </p:sp>
+      <p:sp>
+        <p:nvSpPr>
+          <p:cNvPr id="18" name="Rectangle 17">
+            <a:extLst>
+              <a:ext uri="{FF2B5EF4-FFF2-40B4-BE49-F238E27FC236}">
+                <a16:creationId xmlns:a16="http://schemas.microsoft.com/office/drawing/2014/main" id="{B5C1A05F-E156-B1C4-880C-04797D5FCD81}"/>
+              </a:ext>
+            </a:extLst>
+          </p:cNvPr>
+          <p:cNvSpPr/>
+          <p:nvPr/>
+        </p:nvSpPr>
+        <p:spPr>
+          <a:xfrm>
+            <a:off x="4013437" y="4043553"/>
+            <a:ext cx="2553392" cy="242697"/>
+          </a:xfrm>
+          <a:prstGeom prst="rect">
+            <a:avLst/>
+          </a:prstGeom>
+          <a:noFill/>
+          <a:ln w="57150">
+            <a:solidFill>
+              <a:srgbClr val="FFC000"/>
+            </a:solidFill>
+          </a:ln>
+        </p:spPr>
+        <p:style>
+          <a:lnRef idx="2">
+            <a:schemeClr val="accent1">
+              <a:shade val="50000"/>
+            </a:schemeClr>
+          </a:lnRef>
+          <a:fillRef idx="1">
+            <a:schemeClr val="accent1"/>
+          </a:fillRef>
+          <a:effectRef idx="0">
+            <a:schemeClr val="accent1"/>
+          </a:effectRef>
+          <a:fontRef idx="minor">
+            <a:schemeClr val="lt1"/>
+          </a:fontRef>
+        </p:style>
+        <p:txBody>
+          <a:bodyPr rtlCol="0" anchor="ctr"/>
+          <a:lstStyle/>
+          <a:p>
+            <a:pPr algn="ctr"/>
+            <a:endParaRPr lang="en-US"/>
+          </a:p>
+        </p:txBody>
+      </p:sp>
+      <p:sp>
+        <p:nvSpPr>
+          <p:cNvPr id="19" name="Rounded Rectangle 4">
+            <a:extLst>
+              <a:ext uri="{FF2B5EF4-FFF2-40B4-BE49-F238E27FC236}">
+                <a16:creationId xmlns:a16="http://schemas.microsoft.com/office/drawing/2014/main" id="{8418F495-09BD-114E-7925-56C952289EA0}"/>
+              </a:ext>
+            </a:extLst>
+          </p:cNvPr>
+          <p:cNvSpPr/>
+          <p:nvPr/>
+        </p:nvSpPr>
+        <p:spPr>
+          <a:xfrm>
+            <a:off x="1599466" y="5462778"/>
+            <a:ext cx="851336" cy="194726"/>
+          </a:xfrm>
+          <a:prstGeom prst="roundRect">
+            <a:avLst/>
+          </a:prstGeom>
+          <a:noFill/>
+          <a:ln w="38100">
+            <a:solidFill>
+              <a:srgbClr val="FF0000"/>
+            </a:solidFill>
+          </a:ln>
+        </p:spPr>
+        <p:style>
+          <a:lnRef idx="2">
+            <a:schemeClr val="accent1">
+              <a:shade val="50000"/>
+            </a:schemeClr>
+          </a:lnRef>
+          <a:fillRef idx="1">
+            <a:schemeClr val="accent1"/>
+          </a:fillRef>
+          <a:effectRef idx="0">
+            <a:schemeClr val="accent1"/>
+          </a:effectRef>
+          <a:fontRef idx="minor">
+            <a:schemeClr val="lt1"/>
+          </a:fontRef>
+        </p:style>
+        <p:txBody>
+          <a:bodyPr rtlCol="0" anchor="ctr"/>
+          <a:lstStyle/>
+          <a:p>
+            <a:pPr algn="ctr"/>
+            <a:endParaRPr lang="en-US"/>
+          </a:p>
+        </p:txBody>
+      </p:sp>
+      <p:pic>
+        <p:nvPicPr>
+          <p:cNvPr id="23" name="Picture 22" descr="Text&#10;&#10;Description automatically generated">
+            <a:extLst>
+              <a:ext uri="{FF2B5EF4-FFF2-40B4-BE49-F238E27FC236}">
+                <a16:creationId xmlns:a16="http://schemas.microsoft.com/office/drawing/2014/main" id="{ABEC24E3-9E28-741C-F757-1C0FA66A8BEB}"/>
+              </a:ext>
+            </a:extLst>
+          </p:cNvPr>
+          <p:cNvPicPr>
+            <a:picLocks noChangeAspect="1"/>
+          </p:cNvPicPr>
+          <p:nvPr/>
+        </p:nvPicPr>
+        <p:blipFill>
+          <a:blip r:embed="rId3">
+            <a:extLst>
+              <a:ext uri="{28A0092B-C50C-407E-A947-70E740481C1C}">
+                <a14:useLocalDpi xmlns:a14="http://schemas.microsoft.com/office/drawing/2010/main" val="0"/>
+              </a:ext>
+            </a:extLst>
+          </a:blip>
+          <a:stretch>
+            <a:fillRect/>
+          </a:stretch>
+        </p:blipFill>
+        <p:spPr>
+          <a:xfrm>
+            <a:off x="1594626" y="969515"/>
+            <a:ext cx="6199632" cy="1135926"/>
+          </a:xfrm>
+          <a:prstGeom prst="rect">
+            <a:avLst/>
+          </a:prstGeom>
+          <a:solidFill>
+            <a:srgbClr val="FFFFFF">
+              <a:shade val="85000"/>
+            </a:srgbClr>
+          </a:solidFill>
+          <a:ln w="88900" cap="sq">
+            <a:solidFill>
+              <a:srgbClr val="FFFFFF"/>
+            </a:solidFill>
+            <a:miter lim="800000"/>
+          </a:ln>
+          <a:effectLst>
+            <a:outerShdw blurRad="55000" dist="18000" dir="5400000" algn="tl" rotWithShape="0">
+              <a:srgbClr val="000000">
+                <a:alpha val="40000"/>
+              </a:srgbClr>
+            </a:outerShdw>
+          </a:effectLst>
+          <a:scene3d>
+            <a:camera prst="orthographicFront"/>
+            <a:lightRig rig="twoPt" dir="t">
+              <a:rot lat="0" lon="0" rev="7200000"/>
+            </a:lightRig>
+          </a:scene3d>
+          <a:sp3d>
+            <a:bevelT w="25400" h="19050"/>
+            <a:contourClr>
+              <a:srgbClr val="FFFFFF"/>
+            </a:contourClr>
+          </a:sp3d>
+        </p:spPr>
+      </p:pic>
+      <p:sp>
+        <p:nvSpPr>
+          <p:cNvPr id="24" name="Rounded Rectangle 4">
+            <a:extLst>
+              <a:ext uri="{FF2B5EF4-FFF2-40B4-BE49-F238E27FC236}">
+                <a16:creationId xmlns:a16="http://schemas.microsoft.com/office/drawing/2014/main" id="{51442CA2-3492-4CBA-950D-3293EB3A31AE}"/>
+              </a:ext>
+            </a:extLst>
+          </p:cNvPr>
+          <p:cNvSpPr/>
+          <p:nvPr/>
+        </p:nvSpPr>
+        <p:spPr>
+          <a:xfrm>
+            <a:off x="4858945" y="969515"/>
+            <a:ext cx="1237055" cy="202060"/>
+          </a:xfrm>
+          <a:prstGeom prst="roundRect">
+            <a:avLst/>
+          </a:prstGeom>
+          <a:noFill/>
+          <a:ln w="38100">
+            <a:solidFill>
+              <a:srgbClr val="FF0000"/>
+            </a:solidFill>
+          </a:ln>
+        </p:spPr>
+        <p:style>
+          <a:lnRef idx="2">
+            <a:schemeClr val="accent1">
+              <a:shade val="50000"/>
+            </a:schemeClr>
+          </a:lnRef>
+          <a:fillRef idx="1">
+            <a:schemeClr val="accent1"/>
+          </a:fillRef>
+          <a:effectRef idx="0">
+            <a:schemeClr val="accent1"/>
+          </a:effectRef>
+          <a:fontRef idx="minor">
+            <a:schemeClr val="lt1"/>
+          </a:fontRef>
+        </p:style>
+        <p:txBody>
+          <a:bodyPr rtlCol="0" anchor="ctr"/>
+          <a:lstStyle/>
+          <a:p>
+            <a:pPr algn="ctr"/>
+            <a:endParaRPr lang="en-US"/>
+          </a:p>
+        </p:txBody>
+      </p:sp>
+      <p:sp>
+        <p:nvSpPr>
+          <p:cNvPr id="25" name="Rounded Rectangle 4">
+            <a:extLst>
+              <a:ext uri="{FF2B5EF4-FFF2-40B4-BE49-F238E27FC236}">
+                <a16:creationId xmlns:a16="http://schemas.microsoft.com/office/drawing/2014/main" id="{CA0697C8-9410-CA15-EF47-D39A41602E57}"/>
+              </a:ext>
+            </a:extLst>
+          </p:cNvPr>
+          <p:cNvSpPr/>
+          <p:nvPr/>
+        </p:nvSpPr>
+        <p:spPr>
+          <a:xfrm>
+            <a:off x="1594626" y="1455384"/>
+            <a:ext cx="424674" cy="182916"/>
+          </a:xfrm>
+          <a:prstGeom prst="roundRect">
+            <a:avLst/>
+          </a:prstGeom>
+          <a:noFill/>
+          <a:ln w="38100">
+            <a:solidFill>
+              <a:srgbClr val="FF0000"/>
+            </a:solidFill>
+          </a:ln>
+        </p:spPr>
+        <p:style>
+          <a:lnRef idx="2">
+            <a:schemeClr val="accent1">
+              <a:shade val="50000"/>
+            </a:schemeClr>
+          </a:lnRef>
+          <a:fillRef idx="1">
+            <a:schemeClr val="accent1"/>
+          </a:fillRef>
+          <a:effectRef idx="0">
+            <a:schemeClr val="accent1"/>
+          </a:effectRef>
+          <a:fontRef idx="minor">
+            <a:schemeClr val="lt1"/>
+          </a:fontRef>
+        </p:style>
+        <p:txBody>
+          <a:bodyPr rtlCol="0" anchor="ctr"/>
+          <a:lstStyle/>
+          <a:p>
+            <a:pPr algn="ctr"/>
+            <a:endParaRPr lang="en-US"/>
+          </a:p>
+        </p:txBody>
+      </p:sp>
+      <p:cxnSp>
+        <p:nvCxnSpPr>
+          <p:cNvPr id="26" name="Straight Arrow Connector 25">
+            <a:extLst>
+              <a:ext uri="{FF2B5EF4-FFF2-40B4-BE49-F238E27FC236}">
+                <a16:creationId xmlns:a16="http://schemas.microsoft.com/office/drawing/2014/main" id="{54840672-EE5B-9E0B-185D-51F548039CA5}"/>
+              </a:ext>
+            </a:extLst>
+          </p:cNvPr>
+          <p:cNvCxnSpPr>
+            <a:cxnSpLocks/>
+            <a:stCxn id="24" idx="1"/>
+          </p:cNvCxnSpPr>
+          <p:nvPr/>
+        </p:nvCxnSpPr>
+        <p:spPr>
+          <a:xfrm flipH="1">
+            <a:off x="2052741" y="1070545"/>
+            <a:ext cx="2806204" cy="492374"/>
+          </a:xfrm>
+          <a:prstGeom prst="straightConnector1">
+            <a:avLst/>
+          </a:prstGeom>
+          <a:ln w="57150">
+            <a:solidFill>
+              <a:srgbClr val="FF0000"/>
+            </a:solidFill>
+            <a:tailEnd type="triangle"/>
+          </a:ln>
+        </p:spPr>
+        <p:style>
+          <a:lnRef idx="1">
+            <a:schemeClr val="accent1"/>
+          </a:lnRef>
+          <a:fillRef idx="0">
+            <a:schemeClr val="accent1"/>
+          </a:fillRef>
+          <a:effectRef idx="0">
+            <a:schemeClr val="accent1"/>
+          </a:effectRef>
+          <a:fontRef idx="minor">
+            <a:schemeClr val="tx1"/>
+          </a:fontRef>
+        </p:style>
+      </p:cxnSp>
     </p:spTree>
     <p:extLst>
       <p:ext uri="{BB962C8B-B14F-4D97-AF65-F5344CB8AC3E}">
-        <p14:creationId xmlns:p14="http://schemas.microsoft.com/office/powerpoint/2010/main" val="1057972510"/>
+        <p14:creationId xmlns:p14="http://schemas.microsoft.com/office/powerpoint/2010/main" val="2439408632"/>
+      </p:ext>
+    </p:extLst>
+  </p:cSld>
+  <p:clrMapOvr>
+    <a:masterClrMapping/>
+  </p:clrMapOvr>
+</p:sld>
+</file>
+
+<file path=ppt/slides/slide3.xml><?xml version="1.0" encoding="utf-8"?>
+<p:sld xmlns:a="http://schemas.openxmlformats.org/drawingml/2006/main" xmlns:r="http://schemas.openxmlformats.org/officeDocument/2006/relationships" xmlns:p="http://schemas.openxmlformats.org/presentationml/2006/main">
+  <p:cSld>
+    <p:spTree>
+      <p:nvGrpSpPr>
+        <p:cNvPr id="1" name=""/>
+        <p:cNvGrpSpPr/>
+        <p:nvPr/>
+      </p:nvGrpSpPr>
+      <p:grpSpPr>
+        <a:xfrm>
+          <a:off x="0" y="0"/>
+          <a:ext cx="0" cy="0"/>
+          <a:chOff x="0" y="0"/>
+          <a:chExt cx="0" cy="0"/>
+        </a:xfrm>
+      </p:grpSpPr>
+      <p:pic>
+        <p:nvPicPr>
+          <p:cNvPr id="3" name="Picture 2">
+            <a:extLst>
+              <a:ext uri="{FF2B5EF4-FFF2-40B4-BE49-F238E27FC236}">
+                <a16:creationId xmlns:a16="http://schemas.microsoft.com/office/drawing/2014/main" id="{9B477341-E433-9742-BE44-C89BEC333FF2}"/>
+              </a:ext>
+            </a:extLst>
+          </p:cNvPr>
+          <p:cNvPicPr>
+            <a:picLocks noChangeAspect="1"/>
+          </p:cNvPicPr>
+          <p:nvPr/>
+        </p:nvPicPr>
+        <p:blipFill>
+          <a:blip r:embed="rId2"/>
+          <a:stretch>
+            <a:fillRect/>
+          </a:stretch>
+        </p:blipFill>
+        <p:spPr>
+          <a:xfrm>
+            <a:off x="1285875" y="1509712"/>
+            <a:ext cx="9753600" cy="504825"/>
+          </a:xfrm>
+          <a:prstGeom prst="rect">
+            <a:avLst/>
+          </a:prstGeom>
+          <a:solidFill>
+            <a:srgbClr val="FFFFFF">
+              <a:shade val="85000"/>
+            </a:srgbClr>
+          </a:solidFill>
+          <a:ln w="88900" cap="sq">
+            <a:solidFill>
+              <a:srgbClr val="FFFFFF"/>
+            </a:solidFill>
+            <a:miter lim="800000"/>
+          </a:ln>
+          <a:effectLst>
+            <a:outerShdw blurRad="55000" dist="18000" dir="5400000" algn="tl" rotWithShape="0">
+              <a:srgbClr val="000000">
+                <a:alpha val="40000"/>
+              </a:srgbClr>
+            </a:outerShdw>
+          </a:effectLst>
+          <a:scene3d>
+            <a:camera prst="orthographicFront"/>
+            <a:lightRig rig="twoPt" dir="t">
+              <a:rot lat="0" lon="0" rev="7200000"/>
+            </a:lightRig>
+          </a:scene3d>
+          <a:sp3d>
+            <a:bevelT w="25400" h="19050"/>
+            <a:contourClr>
+              <a:srgbClr val="FFFFFF"/>
+            </a:contourClr>
+          </a:sp3d>
+        </p:spPr>
+      </p:pic>
+      <p:sp>
+        <p:nvSpPr>
+          <p:cNvPr id="5" name="Star: 32 Points 4">
+            <a:extLst>
+              <a:ext uri="{FF2B5EF4-FFF2-40B4-BE49-F238E27FC236}">
+                <a16:creationId xmlns:a16="http://schemas.microsoft.com/office/drawing/2014/main" id="{BCC6CD0C-54F2-70A7-B4AE-47142018BBB4}"/>
+              </a:ext>
+            </a:extLst>
+          </p:cNvPr>
+          <p:cNvSpPr/>
+          <p:nvPr/>
+        </p:nvSpPr>
+        <p:spPr>
+          <a:xfrm>
+            <a:off x="8877300" y="1281111"/>
+            <a:ext cx="2162175" cy="962025"/>
+          </a:xfrm>
+          <a:prstGeom prst="star32">
+            <a:avLst>
+              <a:gd name="adj" fmla="val 41460"/>
+            </a:avLst>
+          </a:prstGeom>
+          <a:noFill/>
+          <a:ln w="28575">
+            <a:solidFill>
+              <a:srgbClr val="FF0000"/>
+            </a:solidFill>
+          </a:ln>
+        </p:spPr>
+        <p:style>
+          <a:lnRef idx="2">
+            <a:schemeClr val="accent1">
+              <a:shade val="50000"/>
+            </a:schemeClr>
+          </a:lnRef>
+          <a:fillRef idx="1">
+            <a:schemeClr val="accent1"/>
+          </a:fillRef>
+          <a:effectRef idx="0">
+            <a:schemeClr val="accent1"/>
+          </a:effectRef>
+          <a:fontRef idx="minor">
+            <a:schemeClr val="lt1"/>
+          </a:fontRef>
+        </p:style>
+        <p:txBody>
+          <a:bodyPr rtlCol="0" anchor="ctr"/>
+          <a:lstStyle/>
+          <a:p>
+            <a:pPr algn="ctr"/>
+            <a:endParaRPr lang="en-US"/>
+          </a:p>
+        </p:txBody>
+      </p:sp>
+      <p:sp>
+        <p:nvSpPr>
+          <p:cNvPr id="6" name="Rectangle 5">
+            <a:extLst>
+              <a:ext uri="{FF2B5EF4-FFF2-40B4-BE49-F238E27FC236}">
+                <a16:creationId xmlns:a16="http://schemas.microsoft.com/office/drawing/2014/main" id="{0E27CD1D-9BAC-275A-349E-D16CBFA929E6}"/>
+              </a:ext>
+            </a:extLst>
+          </p:cNvPr>
+          <p:cNvSpPr/>
+          <p:nvPr/>
+        </p:nvSpPr>
+        <p:spPr>
+          <a:xfrm>
+            <a:off x="6524625" y="1578767"/>
+            <a:ext cx="2162175" cy="366713"/>
+          </a:xfrm>
+          <a:prstGeom prst="rect">
+            <a:avLst/>
+          </a:prstGeom>
+          <a:solidFill>
+            <a:srgbClr val="FF0000">
+              <a:alpha val="18039"/>
+            </a:srgbClr>
+          </a:solidFill>
+          <a:ln>
+            <a:noFill/>
+          </a:ln>
+        </p:spPr>
+        <p:style>
+          <a:lnRef idx="2">
+            <a:schemeClr val="accent1">
+              <a:shade val="50000"/>
+            </a:schemeClr>
+          </a:lnRef>
+          <a:fillRef idx="1">
+            <a:schemeClr val="accent1"/>
+          </a:fillRef>
+          <a:effectRef idx="0">
+            <a:schemeClr val="accent1"/>
+          </a:effectRef>
+          <a:fontRef idx="minor">
+            <a:schemeClr val="lt1"/>
+          </a:fontRef>
+        </p:style>
+        <p:txBody>
+          <a:bodyPr rtlCol="0" anchor="ctr"/>
+          <a:lstStyle/>
+          <a:p>
+            <a:pPr algn="ctr"/>
+            <a:r>
+              <a:rPr lang="en-US" sz="2400" b="1" dirty="0">
+                <a:solidFill>
+                  <a:srgbClr val="FF0000"/>
+                </a:solidFill>
+              </a:rPr>
+              <a:t>1. Click button</a:t>
+            </a:r>
+          </a:p>
+        </p:txBody>
+      </p:sp>
+      <p:pic>
+        <p:nvPicPr>
+          <p:cNvPr id="8" name="Picture 7">
+            <a:extLst>
+              <a:ext uri="{FF2B5EF4-FFF2-40B4-BE49-F238E27FC236}">
+                <a16:creationId xmlns:a16="http://schemas.microsoft.com/office/drawing/2014/main" id="{09CC400E-42E2-04EB-2C7B-83F1DAFD6745}"/>
+              </a:ext>
+            </a:extLst>
+          </p:cNvPr>
+          <p:cNvPicPr>
+            <a:picLocks noChangeAspect="1"/>
+          </p:cNvPicPr>
+          <p:nvPr/>
+        </p:nvPicPr>
+        <p:blipFill>
+          <a:blip r:embed="rId3"/>
+          <a:stretch>
+            <a:fillRect/>
+          </a:stretch>
+        </p:blipFill>
+        <p:spPr>
+          <a:xfrm>
+            <a:off x="3657600" y="2243136"/>
+            <a:ext cx="4876800" cy="3343275"/>
+          </a:xfrm>
+          <a:prstGeom prst="rect">
+            <a:avLst/>
+          </a:prstGeom>
+          <a:solidFill>
+            <a:srgbClr val="FFFFFF">
+              <a:shade val="85000"/>
+            </a:srgbClr>
+          </a:solidFill>
+          <a:ln w="88900" cap="sq">
+            <a:solidFill>
+              <a:srgbClr val="FFFFFF"/>
+            </a:solidFill>
+            <a:miter lim="800000"/>
+          </a:ln>
+          <a:effectLst>
+            <a:outerShdw blurRad="55000" dist="18000" dir="5400000" algn="tl" rotWithShape="0">
+              <a:srgbClr val="000000">
+                <a:alpha val="40000"/>
+              </a:srgbClr>
+            </a:outerShdw>
+          </a:effectLst>
+          <a:scene3d>
+            <a:camera prst="orthographicFront"/>
+            <a:lightRig rig="twoPt" dir="t">
+              <a:rot lat="0" lon="0" rev="7200000"/>
+            </a:lightRig>
+          </a:scene3d>
+          <a:sp3d>
+            <a:bevelT w="25400" h="19050"/>
+            <a:contourClr>
+              <a:srgbClr val="FFFFFF"/>
+            </a:contourClr>
+          </a:sp3d>
+        </p:spPr>
+      </p:pic>
+      <p:sp>
+        <p:nvSpPr>
+          <p:cNvPr id="9" name="Rectangle 8">
+            <a:extLst>
+              <a:ext uri="{FF2B5EF4-FFF2-40B4-BE49-F238E27FC236}">
+                <a16:creationId xmlns:a16="http://schemas.microsoft.com/office/drawing/2014/main" id="{362D0790-C307-E8F3-43F7-30075751F298}"/>
+              </a:ext>
+            </a:extLst>
+          </p:cNvPr>
+          <p:cNvSpPr/>
+          <p:nvPr/>
+        </p:nvSpPr>
+        <p:spPr>
+          <a:xfrm>
+            <a:off x="6153150" y="4724399"/>
+            <a:ext cx="2162175" cy="366713"/>
+          </a:xfrm>
+          <a:prstGeom prst="rect">
+            <a:avLst/>
+          </a:prstGeom>
+          <a:solidFill>
+            <a:srgbClr val="FF0000">
+              <a:alpha val="18039"/>
+            </a:srgbClr>
+          </a:solidFill>
+          <a:ln>
+            <a:noFill/>
+          </a:ln>
+        </p:spPr>
+        <p:style>
+          <a:lnRef idx="2">
+            <a:schemeClr val="accent1">
+              <a:shade val="50000"/>
+            </a:schemeClr>
+          </a:lnRef>
+          <a:fillRef idx="1">
+            <a:schemeClr val="accent1"/>
+          </a:fillRef>
+          <a:effectRef idx="0">
+            <a:schemeClr val="accent1"/>
+          </a:effectRef>
+          <a:fontRef idx="minor">
+            <a:schemeClr val="lt1"/>
+          </a:fontRef>
+        </p:style>
+        <p:txBody>
+          <a:bodyPr rtlCol="0" anchor="ctr"/>
+          <a:lstStyle/>
+          <a:p>
+            <a:pPr algn="ctr"/>
+            <a:r>
+              <a:rPr lang="en-US" sz="2400" b="1" dirty="0">
+                <a:solidFill>
+                  <a:srgbClr val="FF0000"/>
+                </a:solidFill>
+              </a:rPr>
+              <a:t>2. Click button</a:t>
+            </a:r>
+          </a:p>
+        </p:txBody>
+      </p:sp>
+      <p:sp>
+        <p:nvSpPr>
+          <p:cNvPr id="10" name="Star: 32 Points 9">
+            <a:extLst>
+              <a:ext uri="{FF2B5EF4-FFF2-40B4-BE49-F238E27FC236}">
+                <a16:creationId xmlns:a16="http://schemas.microsoft.com/office/drawing/2014/main" id="{715BB371-1D9A-E276-96C2-7DFEB5371005}"/>
+              </a:ext>
+            </a:extLst>
+          </p:cNvPr>
+          <p:cNvSpPr/>
+          <p:nvPr/>
+        </p:nvSpPr>
+        <p:spPr>
+          <a:xfrm>
+            <a:off x="3562350" y="4724399"/>
+            <a:ext cx="2162175" cy="962025"/>
+          </a:xfrm>
+          <a:prstGeom prst="star32">
+            <a:avLst>
+              <a:gd name="adj" fmla="val 41460"/>
+            </a:avLst>
+          </a:prstGeom>
+          <a:noFill/>
+          <a:ln w="28575">
+            <a:solidFill>
+              <a:srgbClr val="FF0000"/>
+            </a:solidFill>
+          </a:ln>
+        </p:spPr>
+        <p:style>
+          <a:lnRef idx="2">
+            <a:schemeClr val="accent1">
+              <a:shade val="50000"/>
+            </a:schemeClr>
+          </a:lnRef>
+          <a:fillRef idx="1">
+            <a:schemeClr val="accent1"/>
+          </a:fillRef>
+          <a:effectRef idx="0">
+            <a:schemeClr val="accent1"/>
+          </a:effectRef>
+          <a:fontRef idx="minor">
+            <a:schemeClr val="lt1"/>
+          </a:fontRef>
+        </p:style>
+        <p:txBody>
+          <a:bodyPr rtlCol="0" anchor="ctr"/>
+          <a:lstStyle/>
+          <a:p>
+            <a:pPr algn="ctr"/>
+            <a:endParaRPr lang="en-US"/>
+          </a:p>
+        </p:txBody>
+      </p:sp>
+    </p:spTree>
+    <p:extLst>
+      <p:ext uri="{BB962C8B-B14F-4D97-AF65-F5344CB8AC3E}">
+        <p14:creationId xmlns:p14="http://schemas.microsoft.com/office/powerpoint/2010/main" val="2156974487"/>
+      </p:ext>
+    </p:extLst>
+  </p:cSld>
+  <p:clrMapOvr>
+    <a:masterClrMapping/>
+  </p:clrMapOvr>
+</p:sld>
+</file>
+
+<file path=ppt/slides/slide4.xml><?xml version="1.0" encoding="utf-8"?>
+<p:sld xmlns:a="http://schemas.openxmlformats.org/drawingml/2006/main" xmlns:r="http://schemas.openxmlformats.org/officeDocument/2006/relationships" xmlns:p="http://schemas.openxmlformats.org/presentationml/2006/main">
+  <p:cSld>
+    <p:spTree>
+      <p:nvGrpSpPr>
+        <p:cNvPr id="1" name=""/>
+        <p:cNvGrpSpPr/>
+        <p:nvPr/>
+      </p:nvGrpSpPr>
+      <p:grpSpPr>
+        <a:xfrm>
+          <a:off x="0" y="0"/>
+          <a:ext cx="0" cy="0"/>
+          <a:chOff x="0" y="0"/>
+          <a:chExt cx="0" cy="0"/>
+        </a:xfrm>
+      </p:grpSpPr>
+      <p:pic>
+        <p:nvPicPr>
+          <p:cNvPr id="3" name="Picture 2">
+            <a:extLst>
+              <a:ext uri="{FF2B5EF4-FFF2-40B4-BE49-F238E27FC236}">
+                <a16:creationId xmlns:a16="http://schemas.microsoft.com/office/drawing/2014/main" id="{29EAA116-96A2-053A-6159-98E21FC8525B}"/>
+              </a:ext>
+            </a:extLst>
+          </p:cNvPr>
+          <p:cNvPicPr>
+            <a:picLocks noChangeAspect="1"/>
+          </p:cNvPicPr>
+          <p:nvPr/>
+        </p:nvPicPr>
+        <p:blipFill>
+          <a:blip r:embed="rId2"/>
+          <a:stretch>
+            <a:fillRect/>
+          </a:stretch>
+        </p:blipFill>
+        <p:spPr>
+          <a:xfrm>
+            <a:off x="3824287" y="285750"/>
+            <a:ext cx="4543425" cy="6286500"/>
+          </a:xfrm>
+          <a:prstGeom prst="rect">
+            <a:avLst/>
+          </a:prstGeom>
+          <a:solidFill>
+            <a:srgbClr val="FFFFFF">
+              <a:shade val="85000"/>
+            </a:srgbClr>
+          </a:solidFill>
+          <a:ln w="88900" cap="sq">
+            <a:solidFill>
+              <a:srgbClr val="FFFFFF"/>
+            </a:solidFill>
+            <a:miter lim="800000"/>
+          </a:ln>
+          <a:effectLst>
+            <a:outerShdw blurRad="55000" dist="18000" dir="5400000" algn="tl" rotWithShape="0">
+              <a:srgbClr val="000000">
+                <a:alpha val="40000"/>
+              </a:srgbClr>
+            </a:outerShdw>
+          </a:effectLst>
+          <a:scene3d>
+            <a:camera prst="orthographicFront"/>
+            <a:lightRig rig="twoPt" dir="t">
+              <a:rot lat="0" lon="0" rev="7200000"/>
+            </a:lightRig>
+          </a:scene3d>
+          <a:sp3d>
+            <a:bevelT w="25400" h="19050"/>
+            <a:contourClr>
+              <a:srgbClr val="FFFFFF"/>
+            </a:contourClr>
+          </a:sp3d>
+        </p:spPr>
+      </p:pic>
+      <p:sp>
+        <p:nvSpPr>
+          <p:cNvPr id="4" name="Star: 32 Points 3">
+            <a:extLst>
+              <a:ext uri="{FF2B5EF4-FFF2-40B4-BE49-F238E27FC236}">
+                <a16:creationId xmlns:a16="http://schemas.microsoft.com/office/drawing/2014/main" id="{554CE4CC-2B1D-1A56-2412-893F0A92D3E8}"/>
+              </a:ext>
+            </a:extLst>
+          </p:cNvPr>
+          <p:cNvSpPr/>
+          <p:nvPr/>
+        </p:nvSpPr>
+        <p:spPr>
+          <a:xfrm>
+            <a:off x="3600450" y="5033961"/>
+            <a:ext cx="3705225" cy="962025"/>
+          </a:xfrm>
+          <a:prstGeom prst="star32">
+            <a:avLst>
+              <a:gd name="adj" fmla="val 41460"/>
+            </a:avLst>
+          </a:prstGeom>
+          <a:noFill/>
+          <a:ln w="28575">
+            <a:solidFill>
+              <a:srgbClr val="FF0000"/>
+            </a:solidFill>
+          </a:ln>
+        </p:spPr>
+        <p:style>
+          <a:lnRef idx="2">
+            <a:schemeClr val="accent1">
+              <a:shade val="50000"/>
+            </a:schemeClr>
+          </a:lnRef>
+          <a:fillRef idx="1">
+            <a:schemeClr val="accent1"/>
+          </a:fillRef>
+          <a:effectRef idx="0">
+            <a:schemeClr val="accent1"/>
+          </a:effectRef>
+          <a:fontRef idx="minor">
+            <a:schemeClr val="lt1"/>
+          </a:fontRef>
+        </p:style>
+        <p:txBody>
+          <a:bodyPr rtlCol="0" anchor="ctr"/>
+          <a:lstStyle/>
+          <a:p>
+            <a:pPr algn="ctr"/>
+            <a:endParaRPr lang="en-US"/>
+          </a:p>
+        </p:txBody>
+      </p:sp>
+      <p:sp>
+        <p:nvSpPr>
+          <p:cNvPr id="5" name="Rectangle 4">
+            <a:extLst>
+              <a:ext uri="{FF2B5EF4-FFF2-40B4-BE49-F238E27FC236}">
+                <a16:creationId xmlns:a16="http://schemas.microsoft.com/office/drawing/2014/main" id="{63C94AE6-1102-B32C-1C4A-35FB0962181D}"/>
+              </a:ext>
+            </a:extLst>
+          </p:cNvPr>
+          <p:cNvSpPr/>
+          <p:nvPr/>
+        </p:nvSpPr>
+        <p:spPr>
+          <a:xfrm>
+            <a:off x="6095999" y="4581524"/>
+            <a:ext cx="2162175" cy="366713"/>
+          </a:xfrm>
+          <a:prstGeom prst="rect">
+            <a:avLst/>
+          </a:prstGeom>
+          <a:solidFill>
+            <a:srgbClr val="FF0000">
+              <a:alpha val="18039"/>
+            </a:srgbClr>
+          </a:solidFill>
+          <a:ln>
+            <a:noFill/>
+          </a:ln>
+        </p:spPr>
+        <p:style>
+          <a:lnRef idx="2">
+            <a:schemeClr val="accent1">
+              <a:shade val="50000"/>
+            </a:schemeClr>
+          </a:lnRef>
+          <a:fillRef idx="1">
+            <a:schemeClr val="accent1"/>
+          </a:fillRef>
+          <a:effectRef idx="0">
+            <a:schemeClr val="accent1"/>
+          </a:effectRef>
+          <a:fontRef idx="minor">
+            <a:schemeClr val="lt1"/>
+          </a:fontRef>
+        </p:style>
+        <p:txBody>
+          <a:bodyPr rtlCol="0" anchor="ctr"/>
+          <a:lstStyle/>
+          <a:p>
+            <a:pPr algn="ctr"/>
+            <a:r>
+              <a:rPr lang="en-US" sz="2400" b="1" dirty="0">
+                <a:solidFill>
+                  <a:srgbClr val="FF0000"/>
+                </a:solidFill>
+              </a:rPr>
+              <a:t>3. Click button</a:t>
+            </a:r>
+          </a:p>
+        </p:txBody>
+      </p:sp>
+      <p:sp>
+        <p:nvSpPr>
+          <p:cNvPr id="6" name="Rectangle 5">
+            <a:extLst>
+              <a:ext uri="{FF2B5EF4-FFF2-40B4-BE49-F238E27FC236}">
+                <a16:creationId xmlns:a16="http://schemas.microsoft.com/office/drawing/2014/main" id="{30DA113E-7C23-84F6-54D4-62FAE81EC714}"/>
+              </a:ext>
+            </a:extLst>
+          </p:cNvPr>
+          <p:cNvSpPr/>
+          <p:nvPr/>
+        </p:nvSpPr>
+        <p:spPr>
+          <a:xfrm>
+            <a:off x="5849089" y="2455065"/>
+            <a:ext cx="1665393" cy="366713"/>
+          </a:xfrm>
+          <a:prstGeom prst="rect">
+            <a:avLst/>
+          </a:prstGeom>
+          <a:solidFill>
+            <a:schemeClr val="accent4">
+              <a:lumMod val="20000"/>
+              <a:lumOff val="80000"/>
+            </a:schemeClr>
+          </a:solidFill>
+          <a:ln>
+            <a:noFill/>
+          </a:ln>
+        </p:spPr>
+        <p:style>
+          <a:lnRef idx="2">
+            <a:schemeClr val="accent1">
+              <a:shade val="50000"/>
+            </a:schemeClr>
+          </a:lnRef>
+          <a:fillRef idx="1">
+            <a:schemeClr val="accent1"/>
+          </a:fillRef>
+          <a:effectRef idx="0">
+            <a:schemeClr val="accent1"/>
+          </a:effectRef>
+          <a:fontRef idx="minor">
+            <a:schemeClr val="lt1"/>
+          </a:fontRef>
+        </p:style>
+        <p:txBody>
+          <a:bodyPr rtlCol="0" anchor="ctr"/>
+          <a:lstStyle/>
+          <a:p>
+            <a:pPr algn="ctr"/>
+            <a:r>
+              <a:rPr lang="en-US" sz="1400" i="1" dirty="0">
+                <a:solidFill>
+                  <a:srgbClr val="FF0000"/>
+                </a:solidFill>
+              </a:rPr>
+              <a:t>We already did this</a:t>
+            </a:r>
+          </a:p>
+        </p:txBody>
+      </p:sp>
+      <p:sp>
+        <p:nvSpPr>
+          <p:cNvPr id="7" name="Rectangle 6">
+            <a:extLst>
+              <a:ext uri="{FF2B5EF4-FFF2-40B4-BE49-F238E27FC236}">
+                <a16:creationId xmlns:a16="http://schemas.microsoft.com/office/drawing/2014/main" id="{FA81DA54-E95E-2D02-93EF-D8035FA20977}"/>
+              </a:ext>
+            </a:extLst>
+          </p:cNvPr>
+          <p:cNvSpPr/>
+          <p:nvPr/>
+        </p:nvSpPr>
+        <p:spPr>
+          <a:xfrm>
+            <a:off x="4827163" y="3519485"/>
+            <a:ext cx="2537671" cy="485775"/>
+          </a:xfrm>
+          <a:prstGeom prst="rect">
+            <a:avLst/>
+          </a:prstGeom>
+          <a:solidFill>
+            <a:schemeClr val="accent4">
+              <a:lumMod val="20000"/>
+              <a:lumOff val="80000"/>
+            </a:schemeClr>
+          </a:solidFill>
+          <a:ln>
+            <a:noFill/>
+          </a:ln>
+        </p:spPr>
+        <p:style>
+          <a:lnRef idx="2">
+            <a:schemeClr val="accent1">
+              <a:shade val="50000"/>
+            </a:schemeClr>
+          </a:lnRef>
+          <a:fillRef idx="1">
+            <a:schemeClr val="accent1"/>
+          </a:fillRef>
+          <a:effectRef idx="0">
+            <a:schemeClr val="accent1"/>
+          </a:effectRef>
+          <a:fontRef idx="minor">
+            <a:schemeClr val="lt1"/>
+          </a:fontRef>
+        </p:style>
+        <p:txBody>
+          <a:bodyPr rtlCol="0" anchor="ctr"/>
+          <a:lstStyle/>
+          <a:p>
+            <a:pPr algn="ctr"/>
+            <a:r>
+              <a:rPr lang="en-US" sz="1400" i="1" dirty="0">
+                <a:solidFill>
+                  <a:srgbClr val="FF0000"/>
+                </a:solidFill>
+              </a:rPr>
+              <a:t>Automatically know which computer type you have</a:t>
+            </a:r>
+          </a:p>
+        </p:txBody>
+      </p:sp>
+    </p:spTree>
+    <p:extLst>
+      <p:ext uri="{BB962C8B-B14F-4D97-AF65-F5344CB8AC3E}">
+        <p14:creationId xmlns:p14="http://schemas.microsoft.com/office/powerpoint/2010/main" val="485675915"/>
       </p:ext>
     </p:extLst>
   </p:cSld>
